--- a/FINAL/FINAL PROYECTO CERTIFICADOR.pptx
+++ b/FINAL/FINAL PROYECTO CERTIFICADOR.pptx
@@ -187,7 +187,7 @@
           <a:noFill/>
           <a:extLst>
             <a:ext uri="{909E8E84-426E-40dd-AFC4-6F175D3DCCD1}">
-              <a14:hiddenFill xmlns="" xmlns:a14="http://schemas.microsoft.com/office/drawing/2010/main">
+              <a14:hiddenFill xmlns:a14="http://schemas.microsoft.com/office/drawing/2010/main" xmlns="">
                 <a:solidFill>
                   <a:srgbClr val="FFFFFF"/>
                 </a:solidFill>
@@ -247,7 +247,7 @@
             </a:ln>
             <a:extLst>
               <a:ext uri="{91240B29-F687-4f45-9708-019B960494DF}">
-                <a14:hiddenLine xmlns="" xmlns:a14="http://schemas.microsoft.com/office/drawing/2010/main" w="9525">
+                <a14:hiddenLine xmlns:a14="http://schemas.microsoft.com/office/drawing/2010/main" xmlns="" w="9525">
                   <a:solidFill>
                     <a:srgbClr val="000000"/>
                   </a:solidFill>
@@ -258,6 +258,13 @@
               </a:ext>
             </a:extLst>
           </p:spPr>
+          <p:txBody>
+            <a:bodyPr/>
+            <a:lstStyle/>
+            <a:p>
+              <a:endParaRPr lang="es-PE"/>
+            </a:p>
+          </p:txBody>
         </p:sp>
         <p:sp>
           <p:nvSpPr>
@@ -337,7 +344,7 @@
             </a:ln>
             <a:extLst>
               <a:ext uri="{91240B29-F687-4f45-9708-019B960494DF}">
-                <a14:hiddenLine xmlns="" xmlns:a14="http://schemas.microsoft.com/office/drawing/2010/main" w="9525">
+                <a14:hiddenLine xmlns:a14="http://schemas.microsoft.com/office/drawing/2010/main" xmlns="" w="9525">
                   <a:solidFill>
                     <a:srgbClr val="000000"/>
                   </a:solidFill>
@@ -348,6 +355,13 @@
               </a:ext>
             </a:extLst>
           </p:spPr>
+          <p:txBody>
+            <a:bodyPr/>
+            <a:lstStyle/>
+            <a:p>
+              <a:endParaRPr lang="es-PE"/>
+            </a:p>
+          </p:txBody>
         </p:sp>
         <p:sp>
           <p:nvSpPr>
@@ -427,7 +441,7 @@
             </a:ln>
             <a:extLst>
               <a:ext uri="{91240B29-F687-4f45-9708-019B960494DF}">
-                <a14:hiddenLine xmlns="" xmlns:a14="http://schemas.microsoft.com/office/drawing/2010/main" w="9525">
+                <a14:hiddenLine xmlns:a14="http://schemas.microsoft.com/office/drawing/2010/main" xmlns="" w="9525">
                   <a:solidFill>
                     <a:srgbClr val="000000"/>
                   </a:solidFill>
@@ -438,6 +452,13 @@
               </a:ext>
             </a:extLst>
           </p:spPr>
+          <p:txBody>
+            <a:bodyPr/>
+            <a:lstStyle/>
+            <a:p>
+              <a:endParaRPr lang="es-PE"/>
+            </a:p>
+          </p:txBody>
         </p:sp>
         <p:sp>
           <p:nvSpPr>
@@ -461,7 +482,7 @@
             </a:ln>
             <a:extLst>
               <a:ext uri="{91240B29-F687-4f45-9708-019B960494DF}">
-                <a14:hiddenLine xmlns="" xmlns:a14="http://schemas.microsoft.com/office/drawing/2010/main" w="9525">
+                <a14:hiddenLine xmlns:a14="http://schemas.microsoft.com/office/drawing/2010/main" xmlns="" w="9525">
                   <a:solidFill>
                     <a:srgbClr val="000000"/>
                   </a:solidFill>
@@ -472,6 +493,13 @@
               </a:ext>
             </a:extLst>
           </p:spPr>
+          <p:txBody>
+            <a:bodyPr/>
+            <a:lstStyle/>
+            <a:p>
+              <a:endParaRPr lang="es-PE"/>
+            </a:p>
+          </p:txBody>
         </p:sp>
         <p:sp>
           <p:nvSpPr>
@@ -551,7 +579,7 @@
             </a:ln>
             <a:extLst>
               <a:ext uri="{91240B29-F687-4f45-9708-019B960494DF}">
-                <a14:hiddenLine xmlns="" xmlns:a14="http://schemas.microsoft.com/office/drawing/2010/main" w="9525">
+                <a14:hiddenLine xmlns:a14="http://schemas.microsoft.com/office/drawing/2010/main" xmlns="" w="9525">
                   <a:solidFill>
                     <a:srgbClr val="000000"/>
                   </a:solidFill>
@@ -562,6 +590,13 @@
               </a:ext>
             </a:extLst>
           </p:spPr>
+          <p:txBody>
+            <a:bodyPr/>
+            <a:lstStyle/>
+            <a:p>
+              <a:endParaRPr lang="es-PE"/>
+            </a:p>
+          </p:txBody>
         </p:sp>
         <p:sp>
           <p:nvSpPr>
@@ -613,7 +648,7 @@
             </a:ln>
             <a:extLst>
               <a:ext uri="{91240B29-F687-4f45-9708-019B960494DF}">
-                <a14:hiddenLine xmlns="" xmlns:a14="http://schemas.microsoft.com/office/drawing/2010/main" w="9525">
+                <a14:hiddenLine xmlns:a14="http://schemas.microsoft.com/office/drawing/2010/main" xmlns="" w="9525">
                   <a:solidFill>
                     <a:srgbClr val="000000"/>
                   </a:solidFill>
@@ -624,6 +659,13 @@
               </a:ext>
             </a:extLst>
           </p:spPr>
+          <p:txBody>
+            <a:bodyPr/>
+            <a:lstStyle/>
+            <a:p>
+              <a:endParaRPr lang="es-PE"/>
+            </a:p>
+          </p:txBody>
         </p:sp>
         <p:sp>
           <p:nvSpPr>
@@ -675,7 +717,7 @@
             </a:ln>
             <a:extLst>
               <a:ext uri="{91240B29-F687-4f45-9708-019B960494DF}">
-                <a14:hiddenLine xmlns="" xmlns:a14="http://schemas.microsoft.com/office/drawing/2010/main" w="9525">
+                <a14:hiddenLine xmlns:a14="http://schemas.microsoft.com/office/drawing/2010/main" xmlns="" w="9525">
                   <a:solidFill>
                     <a:srgbClr val="000000"/>
                   </a:solidFill>
@@ -686,6 +728,13 @@
               </a:ext>
             </a:extLst>
           </p:spPr>
+          <p:txBody>
+            <a:bodyPr/>
+            <a:lstStyle/>
+            <a:p>
+              <a:endParaRPr lang="es-PE"/>
+            </a:p>
+          </p:txBody>
         </p:sp>
         <p:sp>
           <p:nvSpPr>
@@ -765,7 +814,7 @@
             </a:ln>
             <a:extLst>
               <a:ext uri="{91240B29-F687-4f45-9708-019B960494DF}">
-                <a14:hiddenLine xmlns="" xmlns:a14="http://schemas.microsoft.com/office/drawing/2010/main" w="9525">
+                <a14:hiddenLine xmlns:a14="http://schemas.microsoft.com/office/drawing/2010/main" xmlns="" w="9525">
                   <a:solidFill>
                     <a:srgbClr val="000000"/>
                   </a:solidFill>
@@ -776,6 +825,13 @@
               </a:ext>
             </a:extLst>
           </p:spPr>
+          <p:txBody>
+            <a:bodyPr/>
+            <a:lstStyle/>
+            <a:p>
+              <a:endParaRPr lang="es-PE"/>
+            </a:p>
+          </p:txBody>
         </p:sp>
         <p:sp>
           <p:nvSpPr>
@@ -827,7 +883,7 @@
             </a:ln>
             <a:extLst>
               <a:ext uri="{91240B29-F687-4f45-9708-019B960494DF}">
-                <a14:hiddenLine xmlns="" xmlns:a14="http://schemas.microsoft.com/office/drawing/2010/main" w="9525">
+                <a14:hiddenLine xmlns:a14="http://schemas.microsoft.com/office/drawing/2010/main" xmlns="" w="9525">
                   <a:solidFill>
                     <a:srgbClr val="000000"/>
                   </a:solidFill>
@@ -838,6 +894,13 @@
               </a:ext>
             </a:extLst>
           </p:spPr>
+          <p:txBody>
+            <a:bodyPr/>
+            <a:lstStyle/>
+            <a:p>
+              <a:endParaRPr lang="es-PE"/>
+            </a:p>
+          </p:txBody>
         </p:sp>
         <p:sp>
           <p:nvSpPr>
@@ -889,7 +952,7 @@
             </a:ln>
             <a:extLst>
               <a:ext uri="{91240B29-F687-4f45-9708-019B960494DF}">
-                <a14:hiddenLine xmlns="" xmlns:a14="http://schemas.microsoft.com/office/drawing/2010/main" w="9525">
+                <a14:hiddenLine xmlns:a14="http://schemas.microsoft.com/office/drawing/2010/main" xmlns="" w="9525">
                   <a:solidFill>
                     <a:srgbClr val="000000"/>
                   </a:solidFill>
@@ -900,6 +963,13 @@
               </a:ext>
             </a:extLst>
           </p:spPr>
+          <p:txBody>
+            <a:bodyPr/>
+            <a:lstStyle/>
+            <a:p>
+              <a:endParaRPr lang="es-PE"/>
+            </a:p>
+          </p:txBody>
         </p:sp>
         <p:sp>
           <p:nvSpPr>
@@ -979,7 +1049,7 @@
             </a:ln>
             <a:extLst>
               <a:ext uri="{91240B29-F687-4f45-9708-019B960494DF}">
-                <a14:hiddenLine xmlns="" xmlns:a14="http://schemas.microsoft.com/office/drawing/2010/main" w="9525">
+                <a14:hiddenLine xmlns:a14="http://schemas.microsoft.com/office/drawing/2010/main" xmlns="" w="9525">
                   <a:solidFill>
                     <a:srgbClr val="000000"/>
                   </a:solidFill>
@@ -990,6 +1060,13 @@
               </a:ext>
             </a:extLst>
           </p:spPr>
+          <p:txBody>
+            <a:bodyPr/>
+            <a:lstStyle/>
+            <a:p>
+              <a:endParaRPr lang="es-PE"/>
+            </a:p>
+          </p:txBody>
         </p:sp>
         <p:sp>
           <p:nvSpPr>
@@ -1069,7 +1146,7 @@
             </a:ln>
             <a:extLst>
               <a:ext uri="{91240B29-F687-4f45-9708-019B960494DF}">
-                <a14:hiddenLine xmlns="" xmlns:a14="http://schemas.microsoft.com/office/drawing/2010/main" w="9525">
+                <a14:hiddenLine xmlns:a14="http://schemas.microsoft.com/office/drawing/2010/main" xmlns="" w="9525">
                   <a:solidFill>
                     <a:srgbClr val="000000"/>
                   </a:solidFill>
@@ -1080,6 +1157,13 @@
               </a:ext>
             </a:extLst>
           </p:spPr>
+          <p:txBody>
+            <a:bodyPr/>
+            <a:lstStyle/>
+            <a:p>
+              <a:endParaRPr lang="es-PE"/>
+            </a:p>
+          </p:txBody>
         </p:sp>
         <p:sp>
           <p:nvSpPr>
@@ -1131,7 +1215,7 @@
             </a:ln>
             <a:extLst>
               <a:ext uri="{91240B29-F687-4f45-9708-019B960494DF}">
-                <a14:hiddenLine xmlns="" xmlns:a14="http://schemas.microsoft.com/office/drawing/2010/main" w="9525">
+                <a14:hiddenLine xmlns:a14="http://schemas.microsoft.com/office/drawing/2010/main" xmlns="" w="9525">
                   <a:solidFill>
                     <a:srgbClr val="000000"/>
                   </a:solidFill>
@@ -1142,6 +1226,13 @@
               </a:ext>
             </a:extLst>
           </p:spPr>
+          <p:txBody>
+            <a:bodyPr/>
+            <a:lstStyle/>
+            <a:p>
+              <a:endParaRPr lang="es-PE"/>
+            </a:p>
+          </p:txBody>
         </p:sp>
         <p:sp>
           <p:nvSpPr>
@@ -1241,7 +1332,7 @@
             </a:ln>
             <a:extLst>
               <a:ext uri="{91240B29-F687-4f45-9708-019B960494DF}">
-                <a14:hiddenLine xmlns="" xmlns:a14="http://schemas.microsoft.com/office/drawing/2010/main" w="9525">
+                <a14:hiddenLine xmlns:a14="http://schemas.microsoft.com/office/drawing/2010/main" xmlns="" w="9525">
                   <a:solidFill>
                     <a:srgbClr val="000000"/>
                   </a:solidFill>
@@ -1252,6 +1343,13 @@
               </a:ext>
             </a:extLst>
           </p:spPr>
+          <p:txBody>
+            <a:bodyPr/>
+            <a:lstStyle/>
+            <a:p>
+              <a:endParaRPr lang="es-PE"/>
+            </a:p>
+          </p:txBody>
         </p:sp>
         <p:sp>
           <p:nvSpPr>
@@ -1303,7 +1401,7 @@
             </a:ln>
             <a:extLst>
               <a:ext uri="{91240B29-F687-4f45-9708-019B960494DF}">
-                <a14:hiddenLine xmlns="" xmlns:a14="http://schemas.microsoft.com/office/drawing/2010/main" w="9525">
+                <a14:hiddenLine xmlns:a14="http://schemas.microsoft.com/office/drawing/2010/main" xmlns="" w="9525">
                   <a:solidFill>
                     <a:srgbClr val="000000"/>
                   </a:solidFill>
@@ -1314,6 +1412,13 @@
               </a:ext>
             </a:extLst>
           </p:spPr>
+          <p:txBody>
+            <a:bodyPr/>
+            <a:lstStyle/>
+            <a:p>
+              <a:endParaRPr lang="es-PE"/>
+            </a:p>
+          </p:txBody>
         </p:sp>
         <p:sp>
           <p:nvSpPr>
@@ -1393,7 +1498,7 @@
             </a:ln>
             <a:extLst>
               <a:ext uri="{91240B29-F687-4f45-9708-019B960494DF}">
-                <a14:hiddenLine xmlns="" xmlns:a14="http://schemas.microsoft.com/office/drawing/2010/main" w="9525">
+                <a14:hiddenLine xmlns:a14="http://schemas.microsoft.com/office/drawing/2010/main" xmlns="" w="9525">
                   <a:solidFill>
                     <a:srgbClr val="000000"/>
                   </a:solidFill>
@@ -1404,6 +1509,13 @@
               </a:ext>
             </a:extLst>
           </p:spPr>
+          <p:txBody>
+            <a:bodyPr/>
+            <a:lstStyle/>
+            <a:p>
+              <a:endParaRPr lang="es-PE"/>
+            </a:p>
+          </p:txBody>
         </p:sp>
         <p:sp>
           <p:nvSpPr>
@@ -1483,7 +1595,7 @@
             </a:ln>
             <a:extLst>
               <a:ext uri="{91240B29-F687-4f45-9708-019B960494DF}">
-                <a14:hiddenLine xmlns="" xmlns:a14="http://schemas.microsoft.com/office/drawing/2010/main" w="9525">
+                <a14:hiddenLine xmlns:a14="http://schemas.microsoft.com/office/drawing/2010/main" xmlns="" w="9525">
                   <a:solidFill>
                     <a:srgbClr val="000000"/>
                   </a:solidFill>
@@ -1494,6 +1606,13 @@
               </a:ext>
             </a:extLst>
           </p:spPr>
+          <p:txBody>
+            <a:bodyPr/>
+            <a:lstStyle/>
+            <a:p>
+              <a:endParaRPr lang="es-PE"/>
+            </a:p>
+          </p:txBody>
         </p:sp>
         <p:sp>
           <p:nvSpPr>
@@ -1545,7 +1664,7 @@
             </a:ln>
             <a:extLst>
               <a:ext uri="{91240B29-F687-4f45-9708-019B960494DF}">
-                <a14:hiddenLine xmlns="" xmlns:a14="http://schemas.microsoft.com/office/drawing/2010/main" w="9525">
+                <a14:hiddenLine xmlns:a14="http://schemas.microsoft.com/office/drawing/2010/main" xmlns="" w="9525">
                   <a:solidFill>
                     <a:srgbClr val="000000"/>
                   </a:solidFill>
@@ -1556,6 +1675,13 @@
               </a:ext>
             </a:extLst>
           </p:spPr>
+          <p:txBody>
+            <a:bodyPr/>
+            <a:lstStyle/>
+            <a:p>
+              <a:endParaRPr lang="es-PE"/>
+            </a:p>
+          </p:txBody>
         </p:sp>
         <p:sp>
           <p:nvSpPr>
@@ -1635,7 +1761,7 @@
             </a:ln>
             <a:extLst>
               <a:ext uri="{91240B29-F687-4f45-9708-019B960494DF}">
-                <a14:hiddenLine xmlns="" xmlns:a14="http://schemas.microsoft.com/office/drawing/2010/main" w="9525">
+                <a14:hiddenLine xmlns:a14="http://schemas.microsoft.com/office/drawing/2010/main" xmlns="" w="9525">
                   <a:solidFill>
                     <a:srgbClr val="000000"/>
                   </a:solidFill>
@@ -1646,6 +1772,13 @@
               </a:ext>
             </a:extLst>
           </p:spPr>
+          <p:txBody>
+            <a:bodyPr/>
+            <a:lstStyle/>
+            <a:p>
+              <a:endParaRPr lang="es-PE"/>
+            </a:p>
+          </p:txBody>
         </p:sp>
         <p:sp>
           <p:nvSpPr>
@@ -1725,7 +1858,7 @@
             </a:ln>
             <a:extLst>
               <a:ext uri="{91240B29-F687-4f45-9708-019B960494DF}">
-                <a14:hiddenLine xmlns="" xmlns:a14="http://schemas.microsoft.com/office/drawing/2010/main" w="9525">
+                <a14:hiddenLine xmlns:a14="http://schemas.microsoft.com/office/drawing/2010/main" xmlns="" w="9525">
                   <a:solidFill>
                     <a:srgbClr val="000000"/>
                   </a:solidFill>
@@ -1736,6 +1869,13 @@
               </a:ext>
             </a:extLst>
           </p:spPr>
+          <p:txBody>
+            <a:bodyPr/>
+            <a:lstStyle/>
+            <a:p>
+              <a:endParaRPr lang="es-PE"/>
+            </a:p>
+          </p:txBody>
         </p:sp>
         <p:sp>
           <p:nvSpPr>
@@ -1781,7 +1921,7 @@
             </a:ln>
             <a:extLst>
               <a:ext uri="{91240B29-F687-4f45-9708-019B960494DF}">
-                <a14:hiddenLine xmlns="" xmlns:a14="http://schemas.microsoft.com/office/drawing/2010/main" w="9525">
+                <a14:hiddenLine xmlns:a14="http://schemas.microsoft.com/office/drawing/2010/main" xmlns="" w="9525">
                   <a:solidFill>
                     <a:srgbClr val="000000"/>
                   </a:solidFill>
@@ -1792,6 +1932,13 @@
               </a:ext>
             </a:extLst>
           </p:spPr>
+          <p:txBody>
+            <a:bodyPr/>
+            <a:lstStyle/>
+            <a:p>
+              <a:endParaRPr lang="es-PE"/>
+            </a:p>
+          </p:txBody>
         </p:sp>
         <p:sp>
           <p:nvSpPr>
@@ -1871,7 +2018,7 @@
             </a:ln>
             <a:extLst>
               <a:ext uri="{91240B29-F687-4f45-9708-019B960494DF}">
-                <a14:hiddenLine xmlns="" xmlns:a14="http://schemas.microsoft.com/office/drawing/2010/main" w="9525">
+                <a14:hiddenLine xmlns:a14="http://schemas.microsoft.com/office/drawing/2010/main" xmlns="" w="9525">
                   <a:solidFill>
                     <a:srgbClr val="000000"/>
                   </a:solidFill>
@@ -1882,6 +2029,13 @@
               </a:ext>
             </a:extLst>
           </p:spPr>
+          <p:txBody>
+            <a:bodyPr/>
+            <a:lstStyle/>
+            <a:p>
+              <a:endParaRPr lang="es-PE"/>
+            </a:p>
+          </p:txBody>
         </p:sp>
         <p:sp>
           <p:nvSpPr>
@@ -1927,7 +2081,7 @@
             </a:ln>
             <a:extLst>
               <a:ext uri="{91240B29-F687-4f45-9708-019B960494DF}">
-                <a14:hiddenLine xmlns="" xmlns:a14="http://schemas.microsoft.com/office/drawing/2010/main" w="9525">
+                <a14:hiddenLine xmlns:a14="http://schemas.microsoft.com/office/drawing/2010/main" xmlns="" w="9525">
                   <a:solidFill>
                     <a:srgbClr val="000000"/>
                   </a:solidFill>
@@ -1938,6 +2092,13 @@
               </a:ext>
             </a:extLst>
           </p:spPr>
+          <p:txBody>
+            <a:bodyPr/>
+            <a:lstStyle/>
+            <a:p>
+              <a:endParaRPr lang="es-PE"/>
+            </a:p>
+          </p:txBody>
         </p:sp>
         <p:sp>
           <p:nvSpPr>
@@ -2017,7 +2178,7 @@
             </a:ln>
             <a:extLst>
               <a:ext uri="{91240B29-F687-4f45-9708-019B960494DF}">
-                <a14:hiddenLine xmlns="" xmlns:a14="http://schemas.microsoft.com/office/drawing/2010/main" w="9525">
+                <a14:hiddenLine xmlns:a14="http://schemas.microsoft.com/office/drawing/2010/main" xmlns="" w="9525">
                   <a:solidFill>
                     <a:srgbClr val="000000"/>
                   </a:solidFill>
@@ -2028,6 +2189,13 @@
               </a:ext>
             </a:extLst>
           </p:spPr>
+          <p:txBody>
+            <a:bodyPr/>
+            <a:lstStyle/>
+            <a:p>
+              <a:endParaRPr lang="es-PE"/>
+            </a:p>
+          </p:txBody>
         </p:sp>
         <p:sp>
           <p:nvSpPr>
@@ -2085,7 +2253,7 @@
             </a:ln>
             <a:extLst>
               <a:ext uri="{91240B29-F687-4f45-9708-019B960494DF}">
-                <a14:hiddenLine xmlns="" xmlns:a14="http://schemas.microsoft.com/office/drawing/2010/main" w="9525">
+                <a14:hiddenLine xmlns:a14="http://schemas.microsoft.com/office/drawing/2010/main" xmlns="" w="9525">
                   <a:solidFill>
                     <a:srgbClr val="000000"/>
                   </a:solidFill>
@@ -2096,6 +2264,13 @@
               </a:ext>
             </a:extLst>
           </p:spPr>
+          <p:txBody>
+            <a:bodyPr/>
+            <a:lstStyle/>
+            <a:p>
+              <a:endParaRPr lang="es-PE"/>
+            </a:p>
+          </p:txBody>
         </p:sp>
         <p:sp>
           <p:nvSpPr>
@@ -2175,7 +2350,7 @@
             </a:ln>
             <a:extLst>
               <a:ext uri="{91240B29-F687-4f45-9708-019B960494DF}">
-                <a14:hiddenLine xmlns="" xmlns:a14="http://schemas.microsoft.com/office/drawing/2010/main" w="9525">
+                <a14:hiddenLine xmlns:a14="http://schemas.microsoft.com/office/drawing/2010/main" xmlns="" w="9525">
                   <a:solidFill>
                     <a:srgbClr val="000000"/>
                   </a:solidFill>
@@ -2186,6 +2361,13 @@
               </a:ext>
             </a:extLst>
           </p:spPr>
+          <p:txBody>
+            <a:bodyPr/>
+            <a:lstStyle/>
+            <a:p>
+              <a:endParaRPr lang="es-PE"/>
+            </a:p>
+          </p:txBody>
         </p:sp>
         <p:sp>
           <p:nvSpPr>
@@ -2243,7 +2425,7 @@
             </a:ln>
             <a:extLst>
               <a:ext uri="{91240B29-F687-4f45-9708-019B960494DF}">
-                <a14:hiddenLine xmlns="" xmlns:a14="http://schemas.microsoft.com/office/drawing/2010/main" w="9525">
+                <a14:hiddenLine xmlns:a14="http://schemas.microsoft.com/office/drawing/2010/main" xmlns="" w="9525">
                   <a:solidFill>
                     <a:srgbClr val="000000"/>
                   </a:solidFill>
@@ -2254,6 +2436,13 @@
               </a:ext>
             </a:extLst>
           </p:spPr>
+          <p:txBody>
+            <a:bodyPr/>
+            <a:lstStyle/>
+            <a:p>
+              <a:endParaRPr lang="es-PE"/>
+            </a:p>
+          </p:txBody>
         </p:sp>
         <p:sp>
           <p:nvSpPr>
@@ -2333,7 +2522,7 @@
             </a:ln>
             <a:extLst>
               <a:ext uri="{91240B29-F687-4f45-9708-019B960494DF}">
-                <a14:hiddenLine xmlns="" xmlns:a14="http://schemas.microsoft.com/office/drawing/2010/main" w="9525">
+                <a14:hiddenLine xmlns:a14="http://schemas.microsoft.com/office/drawing/2010/main" xmlns="" w="9525">
                   <a:solidFill>
                     <a:srgbClr val="000000"/>
                   </a:solidFill>
@@ -2344,6 +2533,13 @@
               </a:ext>
             </a:extLst>
           </p:spPr>
+          <p:txBody>
+            <a:bodyPr/>
+            <a:lstStyle/>
+            <a:p>
+              <a:endParaRPr lang="es-PE"/>
+            </a:p>
+          </p:txBody>
         </p:sp>
         <p:sp>
           <p:nvSpPr>
@@ -2367,7 +2563,7 @@
             </a:ln>
             <a:extLst>
               <a:ext uri="{91240B29-F687-4f45-9708-019B960494DF}">
-                <a14:hiddenLine xmlns="" xmlns:a14="http://schemas.microsoft.com/office/drawing/2010/main" w="9525">
+                <a14:hiddenLine xmlns:a14="http://schemas.microsoft.com/office/drawing/2010/main" xmlns="" w="9525">
                   <a:solidFill>
                     <a:srgbClr val="000000"/>
                   </a:solidFill>
@@ -2378,6 +2574,13 @@
               </a:ext>
             </a:extLst>
           </p:spPr>
+          <p:txBody>
+            <a:bodyPr/>
+            <a:lstStyle/>
+            <a:p>
+              <a:endParaRPr lang="es-PE"/>
+            </a:p>
+          </p:txBody>
         </p:sp>
         <p:sp>
           <p:nvSpPr>
@@ -2457,7 +2660,7 @@
             </a:ln>
             <a:extLst>
               <a:ext uri="{91240B29-F687-4f45-9708-019B960494DF}">
-                <a14:hiddenLine xmlns="" xmlns:a14="http://schemas.microsoft.com/office/drawing/2010/main" w="9525">
+                <a14:hiddenLine xmlns:a14="http://schemas.microsoft.com/office/drawing/2010/main" xmlns="" w="9525">
                   <a:solidFill>
                     <a:srgbClr val="000000"/>
                   </a:solidFill>
@@ -2468,6 +2671,13 @@
               </a:ext>
             </a:extLst>
           </p:spPr>
+          <p:txBody>
+            <a:bodyPr/>
+            <a:lstStyle/>
+            <a:p>
+              <a:endParaRPr lang="es-PE"/>
+            </a:p>
+          </p:txBody>
         </p:sp>
         <p:sp>
           <p:nvSpPr>
@@ -2519,7 +2729,7 @@
             </a:ln>
             <a:extLst>
               <a:ext uri="{91240B29-F687-4f45-9708-019B960494DF}">
-                <a14:hiddenLine xmlns="" xmlns:a14="http://schemas.microsoft.com/office/drawing/2010/main" w="9525">
+                <a14:hiddenLine xmlns:a14="http://schemas.microsoft.com/office/drawing/2010/main" xmlns="" w="9525">
                   <a:solidFill>
                     <a:srgbClr val="000000"/>
                   </a:solidFill>
@@ -2530,6 +2740,13 @@
               </a:ext>
             </a:extLst>
           </p:spPr>
+          <p:txBody>
+            <a:bodyPr/>
+            <a:lstStyle/>
+            <a:p>
+              <a:endParaRPr lang="es-PE"/>
+            </a:p>
+          </p:txBody>
         </p:sp>
         <p:sp>
           <p:nvSpPr>
@@ -2581,7 +2798,7 @@
             </a:ln>
             <a:extLst>
               <a:ext uri="{91240B29-F687-4f45-9708-019B960494DF}">
-                <a14:hiddenLine xmlns="" xmlns:a14="http://schemas.microsoft.com/office/drawing/2010/main" w="9525">
+                <a14:hiddenLine xmlns:a14="http://schemas.microsoft.com/office/drawing/2010/main" xmlns="" w="9525">
                   <a:solidFill>
                     <a:srgbClr val="000000"/>
                   </a:solidFill>
@@ -2592,6 +2809,13 @@
               </a:ext>
             </a:extLst>
           </p:spPr>
+          <p:txBody>
+            <a:bodyPr/>
+            <a:lstStyle/>
+            <a:p>
+              <a:endParaRPr lang="es-PE"/>
+            </a:p>
+          </p:txBody>
         </p:sp>
         <p:sp>
           <p:nvSpPr>
@@ -2671,7 +2895,7 @@
             </a:ln>
             <a:extLst>
               <a:ext uri="{91240B29-F687-4f45-9708-019B960494DF}">
-                <a14:hiddenLine xmlns="" xmlns:a14="http://schemas.microsoft.com/office/drawing/2010/main" w="9525">
+                <a14:hiddenLine xmlns:a14="http://schemas.microsoft.com/office/drawing/2010/main" xmlns="" w="9525">
                   <a:solidFill>
                     <a:srgbClr val="000000"/>
                   </a:solidFill>
@@ -2682,6 +2906,13 @@
               </a:ext>
             </a:extLst>
           </p:spPr>
+          <p:txBody>
+            <a:bodyPr/>
+            <a:lstStyle/>
+            <a:p>
+              <a:endParaRPr lang="es-PE"/>
+            </a:p>
+          </p:txBody>
         </p:sp>
         <p:sp>
           <p:nvSpPr>
@@ -2739,7 +2970,7 @@
             </a:ln>
             <a:extLst>
               <a:ext uri="{91240B29-F687-4f45-9708-019B960494DF}">
-                <a14:hiddenLine xmlns="" xmlns:a14="http://schemas.microsoft.com/office/drawing/2010/main" w="9525">
+                <a14:hiddenLine xmlns:a14="http://schemas.microsoft.com/office/drawing/2010/main" xmlns="" w="9525">
                   <a:solidFill>
                     <a:srgbClr val="000000"/>
                   </a:solidFill>
@@ -2750,6 +2981,13 @@
               </a:ext>
             </a:extLst>
           </p:spPr>
+          <p:txBody>
+            <a:bodyPr/>
+            <a:lstStyle/>
+            <a:p>
+              <a:endParaRPr lang="es-PE"/>
+            </a:p>
+          </p:txBody>
         </p:sp>
         <p:sp>
           <p:nvSpPr>
@@ -2801,7 +3039,7 @@
             </a:ln>
             <a:extLst>
               <a:ext uri="{91240B29-F687-4f45-9708-019B960494DF}">
-                <a14:hiddenLine xmlns="" xmlns:a14="http://schemas.microsoft.com/office/drawing/2010/main" w="9525">
+                <a14:hiddenLine xmlns:a14="http://schemas.microsoft.com/office/drawing/2010/main" xmlns="" w="9525">
                   <a:solidFill>
                     <a:srgbClr val="000000"/>
                   </a:solidFill>
@@ -2812,6 +3050,13 @@
               </a:ext>
             </a:extLst>
           </p:spPr>
+          <p:txBody>
+            <a:bodyPr/>
+            <a:lstStyle/>
+            <a:p>
+              <a:endParaRPr lang="es-PE"/>
+            </a:p>
+          </p:txBody>
         </p:sp>
         <p:sp>
           <p:nvSpPr>
@@ -2891,7 +3136,7 @@
             </a:ln>
             <a:extLst>
               <a:ext uri="{91240B29-F687-4f45-9708-019B960494DF}">
-                <a14:hiddenLine xmlns="" xmlns:a14="http://schemas.microsoft.com/office/drawing/2010/main" w="9525">
+                <a14:hiddenLine xmlns:a14="http://schemas.microsoft.com/office/drawing/2010/main" xmlns="" w="9525">
                   <a:solidFill>
                     <a:srgbClr val="000000"/>
                   </a:solidFill>
@@ -2902,6 +3147,13 @@
               </a:ext>
             </a:extLst>
           </p:spPr>
+          <p:txBody>
+            <a:bodyPr/>
+            <a:lstStyle/>
+            <a:p>
+              <a:endParaRPr lang="es-PE"/>
+            </a:p>
+          </p:txBody>
         </p:sp>
         <p:sp>
           <p:nvSpPr>
@@ -2953,7 +3205,7 @@
             </a:ln>
             <a:extLst>
               <a:ext uri="{91240B29-F687-4f45-9708-019B960494DF}">
-                <a14:hiddenLine xmlns="" xmlns:a14="http://schemas.microsoft.com/office/drawing/2010/main" w="9525">
+                <a14:hiddenLine xmlns:a14="http://schemas.microsoft.com/office/drawing/2010/main" xmlns="" w="9525">
                   <a:solidFill>
                     <a:srgbClr val="000000"/>
                   </a:solidFill>
@@ -2964,6 +3216,13 @@
               </a:ext>
             </a:extLst>
           </p:spPr>
+          <p:txBody>
+            <a:bodyPr/>
+            <a:lstStyle/>
+            <a:p>
+              <a:endParaRPr lang="es-PE"/>
+            </a:p>
+          </p:txBody>
         </p:sp>
         <p:sp>
           <p:nvSpPr>
@@ -3043,7 +3302,7 @@
             </a:ln>
             <a:extLst>
               <a:ext uri="{91240B29-F687-4f45-9708-019B960494DF}">
-                <a14:hiddenLine xmlns="" xmlns:a14="http://schemas.microsoft.com/office/drawing/2010/main" w="9525">
+                <a14:hiddenLine xmlns:a14="http://schemas.microsoft.com/office/drawing/2010/main" xmlns="" w="9525">
                   <a:solidFill>
                     <a:srgbClr val="000000"/>
                   </a:solidFill>
@@ -3054,6 +3313,13 @@
               </a:ext>
             </a:extLst>
           </p:spPr>
+          <p:txBody>
+            <a:bodyPr/>
+            <a:lstStyle/>
+            <a:p>
+              <a:endParaRPr lang="es-PE"/>
+            </a:p>
+          </p:txBody>
         </p:sp>
         <p:sp>
           <p:nvSpPr>
@@ -3105,7 +3371,7 @@
             </a:ln>
             <a:extLst>
               <a:ext uri="{91240B29-F687-4f45-9708-019B960494DF}">
-                <a14:hiddenLine xmlns="" xmlns:a14="http://schemas.microsoft.com/office/drawing/2010/main" w="9525">
+                <a14:hiddenLine xmlns:a14="http://schemas.microsoft.com/office/drawing/2010/main" xmlns="" w="9525">
                   <a:solidFill>
                     <a:srgbClr val="000000"/>
                   </a:solidFill>
@@ -3116,6 +3382,13 @@
               </a:ext>
             </a:extLst>
           </p:spPr>
+          <p:txBody>
+            <a:bodyPr/>
+            <a:lstStyle/>
+            <a:p>
+              <a:endParaRPr lang="es-PE"/>
+            </a:p>
+          </p:txBody>
         </p:sp>
         <p:sp>
           <p:nvSpPr>
@@ -3195,7 +3468,7 @@
             </a:ln>
             <a:extLst>
               <a:ext uri="{91240B29-F687-4f45-9708-019B960494DF}">
-                <a14:hiddenLine xmlns="" xmlns:a14="http://schemas.microsoft.com/office/drawing/2010/main" w="9525">
+                <a14:hiddenLine xmlns:a14="http://schemas.microsoft.com/office/drawing/2010/main" xmlns="" w="9525">
                   <a:solidFill>
                     <a:srgbClr val="000000"/>
                   </a:solidFill>
@@ -3206,6 +3479,13 @@
               </a:ext>
             </a:extLst>
           </p:spPr>
+          <p:txBody>
+            <a:bodyPr/>
+            <a:lstStyle/>
+            <a:p>
+              <a:endParaRPr lang="es-PE"/>
+            </a:p>
+          </p:txBody>
         </p:sp>
         <p:sp>
           <p:nvSpPr>
@@ -3229,7 +3509,7 @@
             </a:ln>
             <a:extLst>
               <a:ext uri="{91240B29-F687-4f45-9708-019B960494DF}">
-                <a14:hiddenLine xmlns="" xmlns:a14="http://schemas.microsoft.com/office/drawing/2010/main" w="9525">
+                <a14:hiddenLine xmlns:a14="http://schemas.microsoft.com/office/drawing/2010/main" xmlns="" w="9525">
                   <a:solidFill>
                     <a:srgbClr val="000000"/>
                   </a:solidFill>
@@ -3240,6 +3520,13 @@
               </a:ext>
             </a:extLst>
           </p:spPr>
+          <p:txBody>
+            <a:bodyPr/>
+            <a:lstStyle/>
+            <a:p>
+              <a:endParaRPr lang="es-PE"/>
+            </a:p>
+          </p:txBody>
         </p:sp>
         <p:sp>
           <p:nvSpPr>
@@ -3294,7 +3581,7 @@
             </a:ln>
             <a:extLst>
               <a:ext uri="{91240B29-F687-4f45-9708-019B960494DF}">
-                <a14:hiddenLine xmlns="" xmlns:a14="http://schemas.microsoft.com/office/drawing/2010/main" w="9525">
+                <a14:hiddenLine xmlns:a14="http://schemas.microsoft.com/office/drawing/2010/main" xmlns="" w="9525">
                   <a:solidFill>
                     <a:srgbClr val="000000"/>
                   </a:solidFill>
@@ -3305,6 +3592,13 @@
               </a:ext>
             </a:extLst>
           </p:spPr>
+          <p:txBody>
+            <a:bodyPr/>
+            <a:lstStyle/>
+            <a:p>
+              <a:endParaRPr lang="es-PE"/>
+            </a:p>
+          </p:txBody>
         </p:sp>
         <p:sp>
           <p:nvSpPr>
@@ -3384,7 +3678,7 @@
             </a:ln>
             <a:extLst>
               <a:ext uri="{91240B29-F687-4f45-9708-019B960494DF}">
-                <a14:hiddenLine xmlns="" xmlns:a14="http://schemas.microsoft.com/office/drawing/2010/main" w="9525">
+                <a14:hiddenLine xmlns:a14="http://schemas.microsoft.com/office/drawing/2010/main" xmlns="" w="9525">
                   <a:solidFill>
                     <a:srgbClr val="000000"/>
                   </a:solidFill>
@@ -3395,6 +3689,13 @@
               </a:ext>
             </a:extLst>
           </p:spPr>
+          <p:txBody>
+            <a:bodyPr/>
+            <a:lstStyle/>
+            <a:p>
+              <a:endParaRPr lang="es-PE"/>
+            </a:p>
+          </p:txBody>
         </p:sp>
         <p:sp>
           <p:nvSpPr>
@@ -3446,7 +3747,7 @@
             </a:ln>
             <a:extLst>
               <a:ext uri="{91240B29-F687-4f45-9708-019B960494DF}">
-                <a14:hiddenLine xmlns="" xmlns:a14="http://schemas.microsoft.com/office/drawing/2010/main" w="9525">
+                <a14:hiddenLine xmlns:a14="http://schemas.microsoft.com/office/drawing/2010/main" xmlns="" w="9525">
                   <a:solidFill>
                     <a:srgbClr val="000000"/>
                   </a:solidFill>
@@ -3457,6 +3758,13 @@
               </a:ext>
             </a:extLst>
           </p:spPr>
+          <p:txBody>
+            <a:bodyPr/>
+            <a:lstStyle/>
+            <a:p>
+              <a:endParaRPr lang="es-PE"/>
+            </a:p>
+          </p:txBody>
         </p:sp>
         <p:sp>
           <p:nvSpPr>
@@ -3536,7 +3844,7 @@
             </a:ln>
             <a:extLst>
               <a:ext uri="{91240B29-F687-4f45-9708-019B960494DF}">
-                <a14:hiddenLine xmlns="" xmlns:a14="http://schemas.microsoft.com/office/drawing/2010/main" w="9525">
+                <a14:hiddenLine xmlns:a14="http://schemas.microsoft.com/office/drawing/2010/main" xmlns="" w="9525">
                   <a:solidFill>
                     <a:srgbClr val="000000"/>
                   </a:solidFill>
@@ -3547,6 +3855,13 @@
               </a:ext>
             </a:extLst>
           </p:spPr>
+          <p:txBody>
+            <a:bodyPr/>
+            <a:lstStyle/>
+            <a:p>
+              <a:endParaRPr lang="es-PE"/>
+            </a:p>
+          </p:txBody>
         </p:sp>
         <p:sp>
           <p:nvSpPr>
@@ -3626,7 +3941,7 @@
             </a:ln>
             <a:extLst>
               <a:ext uri="{91240B29-F687-4f45-9708-019B960494DF}">
-                <a14:hiddenLine xmlns="" xmlns:a14="http://schemas.microsoft.com/office/drawing/2010/main" w="9525">
+                <a14:hiddenLine xmlns:a14="http://schemas.microsoft.com/office/drawing/2010/main" xmlns="" w="9525">
                   <a:solidFill>
                     <a:srgbClr val="000000"/>
                   </a:solidFill>
@@ -3637,6 +3952,13 @@
               </a:ext>
             </a:extLst>
           </p:spPr>
+          <p:txBody>
+            <a:bodyPr/>
+            <a:lstStyle/>
+            <a:p>
+              <a:endParaRPr lang="es-PE"/>
+            </a:p>
+          </p:txBody>
         </p:sp>
         <p:sp>
           <p:nvSpPr>
@@ -3691,7 +4013,7 @@
             </a:ln>
             <a:extLst>
               <a:ext uri="{91240B29-F687-4f45-9708-019B960494DF}">
-                <a14:hiddenLine xmlns="" xmlns:a14="http://schemas.microsoft.com/office/drawing/2010/main" w="9525">
+                <a14:hiddenLine xmlns:a14="http://schemas.microsoft.com/office/drawing/2010/main" xmlns="" w="9525">
                   <a:solidFill>
                     <a:srgbClr val="000000"/>
                   </a:solidFill>
@@ -3702,6 +4024,13 @@
               </a:ext>
             </a:extLst>
           </p:spPr>
+          <p:txBody>
+            <a:bodyPr/>
+            <a:lstStyle/>
+            <a:p>
+              <a:endParaRPr lang="es-PE"/>
+            </a:p>
+          </p:txBody>
         </p:sp>
         <p:sp>
           <p:nvSpPr>
@@ -3753,7 +4082,7 @@
             </a:ln>
             <a:extLst>
               <a:ext uri="{91240B29-F687-4f45-9708-019B960494DF}">
-                <a14:hiddenLine xmlns="" xmlns:a14="http://schemas.microsoft.com/office/drawing/2010/main" w="9525">
+                <a14:hiddenLine xmlns:a14="http://schemas.microsoft.com/office/drawing/2010/main" xmlns="" w="9525">
                   <a:solidFill>
                     <a:srgbClr val="000000"/>
                   </a:solidFill>
@@ -3764,6 +4093,13 @@
               </a:ext>
             </a:extLst>
           </p:spPr>
+          <p:txBody>
+            <a:bodyPr/>
+            <a:lstStyle/>
+            <a:p>
+              <a:endParaRPr lang="es-PE"/>
+            </a:p>
+          </p:txBody>
         </p:sp>
         <p:sp>
           <p:nvSpPr>
@@ -3843,7 +4179,7 @@
             </a:ln>
             <a:extLst>
               <a:ext uri="{91240B29-F687-4f45-9708-019B960494DF}">
-                <a14:hiddenLine xmlns="" xmlns:a14="http://schemas.microsoft.com/office/drawing/2010/main" w="9525">
+                <a14:hiddenLine xmlns:a14="http://schemas.microsoft.com/office/drawing/2010/main" xmlns="" w="9525">
                   <a:solidFill>
                     <a:srgbClr val="000000"/>
                   </a:solidFill>
@@ -3854,6 +4190,13 @@
               </a:ext>
             </a:extLst>
           </p:spPr>
+          <p:txBody>
+            <a:bodyPr/>
+            <a:lstStyle/>
+            <a:p>
+              <a:endParaRPr lang="es-PE"/>
+            </a:p>
+          </p:txBody>
         </p:sp>
         <p:sp>
           <p:nvSpPr>
@@ -3933,7 +4276,7 @@
             </a:ln>
             <a:extLst>
               <a:ext uri="{91240B29-F687-4f45-9708-019B960494DF}">
-                <a14:hiddenLine xmlns="" xmlns:a14="http://schemas.microsoft.com/office/drawing/2010/main" w="9525">
+                <a14:hiddenLine xmlns:a14="http://schemas.microsoft.com/office/drawing/2010/main" xmlns="" w="9525">
                   <a:solidFill>
                     <a:srgbClr val="000000"/>
                   </a:solidFill>
@@ -3944,6 +4287,13 @@
               </a:ext>
             </a:extLst>
           </p:spPr>
+          <p:txBody>
+            <a:bodyPr/>
+            <a:lstStyle/>
+            <a:p>
+              <a:endParaRPr lang="es-PE"/>
+            </a:p>
+          </p:txBody>
         </p:sp>
         <p:sp>
           <p:nvSpPr>
@@ -3995,7 +4345,7 @@
             </a:ln>
             <a:extLst>
               <a:ext uri="{91240B29-F687-4f45-9708-019B960494DF}">
-                <a14:hiddenLine xmlns="" xmlns:a14="http://schemas.microsoft.com/office/drawing/2010/main" w="9525">
+                <a14:hiddenLine xmlns:a14="http://schemas.microsoft.com/office/drawing/2010/main" xmlns="" w="9525">
                   <a:solidFill>
                     <a:srgbClr val="000000"/>
                   </a:solidFill>
@@ -4006,6 +4356,13 @@
               </a:ext>
             </a:extLst>
           </p:spPr>
+          <p:txBody>
+            <a:bodyPr/>
+            <a:lstStyle/>
+            <a:p>
+              <a:endParaRPr lang="es-PE"/>
+            </a:p>
+          </p:txBody>
         </p:sp>
         <p:sp>
           <p:nvSpPr>
@@ -4115,7 +4472,7 @@
             </a:ln>
             <a:extLst>
               <a:ext uri="{91240B29-F687-4f45-9708-019B960494DF}">
-                <a14:hiddenLine xmlns="" xmlns:a14="http://schemas.microsoft.com/office/drawing/2010/main" w="9525">
+                <a14:hiddenLine xmlns:a14="http://schemas.microsoft.com/office/drawing/2010/main" xmlns="" w="9525">
                   <a:solidFill>
                     <a:srgbClr val="000000"/>
                   </a:solidFill>
@@ -4126,6 +4483,13 @@
               </a:ext>
             </a:extLst>
           </p:spPr>
+          <p:txBody>
+            <a:bodyPr/>
+            <a:lstStyle/>
+            <a:p>
+              <a:endParaRPr lang="es-PE"/>
+            </a:p>
+          </p:txBody>
         </p:sp>
         <p:sp>
           <p:nvSpPr>
@@ -4183,7 +4547,7 @@
             </a:ln>
             <a:extLst>
               <a:ext uri="{91240B29-F687-4f45-9708-019B960494DF}">
-                <a14:hiddenLine xmlns="" xmlns:a14="http://schemas.microsoft.com/office/drawing/2010/main" w="9525">
+                <a14:hiddenLine xmlns:a14="http://schemas.microsoft.com/office/drawing/2010/main" xmlns="" w="9525">
                   <a:solidFill>
                     <a:srgbClr val="000000"/>
                   </a:solidFill>
@@ -4194,6 +4558,13 @@
               </a:ext>
             </a:extLst>
           </p:spPr>
+          <p:txBody>
+            <a:bodyPr/>
+            <a:lstStyle/>
+            <a:p>
+              <a:endParaRPr lang="es-PE"/>
+            </a:p>
+          </p:txBody>
         </p:sp>
         <p:sp>
           <p:nvSpPr>
@@ -4273,7 +4644,7 @@
             </a:ln>
             <a:extLst>
               <a:ext uri="{91240B29-F687-4f45-9708-019B960494DF}">
-                <a14:hiddenLine xmlns="" xmlns:a14="http://schemas.microsoft.com/office/drawing/2010/main" w="9525">
+                <a14:hiddenLine xmlns:a14="http://schemas.microsoft.com/office/drawing/2010/main" xmlns="" w="9525">
                   <a:solidFill>
                     <a:srgbClr val="000000"/>
                   </a:solidFill>
@@ -4284,6 +4655,13 @@
               </a:ext>
             </a:extLst>
           </p:spPr>
+          <p:txBody>
+            <a:bodyPr/>
+            <a:lstStyle/>
+            <a:p>
+              <a:endParaRPr lang="es-PE"/>
+            </a:p>
+          </p:txBody>
         </p:sp>
       </p:grpSp>
       <p:sp>
@@ -4413,7 +4791,7 @@
           <a:p>
             <a:fld id="{88DC54A4-EE15-4DE8-8F8A-EBA64498B358}" type="datetimeFigureOut">
               <a:rPr lang="es-PE" smtClean="0"/>
-              <a:t>9/12/2025</a:t>
+              <a:t>16/12/2025</a:t>
             </a:fld>
             <a:endParaRPr lang="es-PE"/>
           </a:p>
@@ -4680,7 +5058,7 @@
           <a:p>
             <a:fld id="{88DC54A4-EE15-4DE8-8F8A-EBA64498B358}" type="datetimeFigureOut">
               <a:rPr lang="es-PE" smtClean="0"/>
-              <a:t>9/12/2025</a:t>
+              <a:t>16/12/2025</a:t>
             </a:fld>
             <a:endParaRPr lang="es-PE"/>
           </a:p>
@@ -4876,7 +5254,7 @@
           <a:p>
             <a:fld id="{88DC54A4-EE15-4DE8-8F8A-EBA64498B358}" type="datetimeFigureOut">
               <a:rPr lang="es-PE" smtClean="0"/>
-              <a:t>9/12/2025</a:t>
+              <a:t>16/12/2025</a:t>
             </a:fld>
             <a:endParaRPr lang="es-PE"/>
           </a:p>
@@ -5139,7 +5517,7 @@
           <a:p>
             <a:fld id="{88DC54A4-EE15-4DE8-8F8A-EBA64498B358}" type="datetimeFigureOut">
               <a:rPr lang="es-PE" smtClean="0"/>
-              <a:t>9/12/2025</a:t>
+              <a:t>16/12/2025</a:t>
             </a:fld>
             <a:endParaRPr lang="es-PE"/>
           </a:p>
@@ -5573,7 +5951,7 @@
           <a:p>
             <a:fld id="{88DC54A4-EE15-4DE8-8F8A-EBA64498B358}" type="datetimeFigureOut">
               <a:rPr lang="es-PE" smtClean="0"/>
-              <a:t>9/12/2025</a:t>
+              <a:t>16/12/2025</a:t>
             </a:fld>
             <a:endParaRPr lang="es-PE"/>
           </a:p>
@@ -6119,7 +6497,7 @@
           <a:p>
             <a:fld id="{88DC54A4-EE15-4DE8-8F8A-EBA64498B358}" type="datetimeFigureOut">
               <a:rPr lang="es-PE" smtClean="0"/>
-              <a:t>9/12/2025</a:t>
+              <a:t>16/12/2025</a:t>
             </a:fld>
             <a:endParaRPr lang="es-PE"/>
           </a:p>
@@ -6839,7 +7217,7 @@
           <a:p>
             <a:fld id="{88DC54A4-EE15-4DE8-8F8A-EBA64498B358}" type="datetimeFigureOut">
               <a:rPr lang="es-PE" smtClean="0"/>
-              <a:t>9/12/2025</a:t>
+              <a:t>16/12/2025</a:t>
             </a:fld>
             <a:endParaRPr lang="es-PE"/>
           </a:p>
@@ -7009,7 +7387,7 @@
           <a:p>
             <a:fld id="{88DC54A4-EE15-4DE8-8F8A-EBA64498B358}" type="datetimeFigureOut">
               <a:rPr lang="es-PE" smtClean="0"/>
-              <a:t>9/12/2025</a:t>
+              <a:t>16/12/2025</a:t>
             </a:fld>
             <a:endParaRPr lang="es-PE"/>
           </a:p>
@@ -7189,7 +7567,7 @@
           <a:p>
             <a:fld id="{88DC54A4-EE15-4DE8-8F8A-EBA64498B358}" type="datetimeFigureOut">
               <a:rPr lang="es-PE" smtClean="0"/>
-              <a:t>9/12/2025</a:t>
+              <a:t>16/12/2025</a:t>
             </a:fld>
             <a:endParaRPr lang="es-PE"/>
           </a:p>
@@ -7359,7 +7737,7 @@
           <a:p>
             <a:fld id="{88DC54A4-EE15-4DE8-8F8A-EBA64498B358}" type="datetimeFigureOut">
               <a:rPr lang="es-PE" smtClean="0"/>
-              <a:t>9/12/2025</a:t>
+              <a:t>16/12/2025</a:t>
             </a:fld>
             <a:endParaRPr lang="es-PE"/>
           </a:p>
@@ -7609,7 +7987,7 @@
           <a:p>
             <a:fld id="{88DC54A4-EE15-4DE8-8F8A-EBA64498B358}" type="datetimeFigureOut">
               <a:rPr lang="es-PE" smtClean="0"/>
-              <a:t>9/12/2025</a:t>
+              <a:t>16/12/2025</a:t>
             </a:fld>
             <a:endParaRPr lang="es-PE"/>
           </a:p>
@@ -7841,7 +8219,7 @@
           <a:p>
             <a:fld id="{88DC54A4-EE15-4DE8-8F8A-EBA64498B358}" type="datetimeFigureOut">
               <a:rPr lang="es-PE" smtClean="0"/>
-              <a:t>9/12/2025</a:t>
+              <a:t>16/12/2025</a:t>
             </a:fld>
             <a:endParaRPr lang="es-PE"/>
           </a:p>
@@ -8222,7 +8600,7 @@
           <a:p>
             <a:fld id="{88DC54A4-EE15-4DE8-8F8A-EBA64498B358}" type="datetimeFigureOut">
               <a:rPr lang="es-PE" smtClean="0"/>
-              <a:t>9/12/2025</a:t>
+              <a:t>16/12/2025</a:t>
             </a:fld>
             <a:endParaRPr lang="es-PE"/>
           </a:p>
@@ -8340,7 +8718,7 @@
           <a:p>
             <a:fld id="{88DC54A4-EE15-4DE8-8F8A-EBA64498B358}" type="datetimeFigureOut">
               <a:rPr lang="es-PE" smtClean="0"/>
-              <a:t>9/12/2025</a:t>
+              <a:t>16/12/2025</a:t>
             </a:fld>
             <a:endParaRPr lang="es-PE"/>
           </a:p>
@@ -8435,7 +8813,7 @@
           <a:p>
             <a:fld id="{88DC54A4-EE15-4DE8-8F8A-EBA64498B358}" type="datetimeFigureOut">
               <a:rPr lang="es-PE" smtClean="0"/>
-              <a:t>9/12/2025</a:t>
+              <a:t>16/12/2025</a:t>
             </a:fld>
             <a:endParaRPr lang="es-PE"/>
           </a:p>
@@ -8684,7 +9062,7 @@
           <a:p>
             <a:fld id="{88DC54A4-EE15-4DE8-8F8A-EBA64498B358}" type="datetimeFigureOut">
               <a:rPr lang="es-PE" smtClean="0"/>
-              <a:t>9/12/2025</a:t>
+              <a:t>16/12/2025</a:t>
             </a:fld>
             <a:endParaRPr lang="es-PE"/>
           </a:p>
@@ -8964,7 +9342,7 @@
           <a:p>
             <a:fld id="{88DC54A4-EE15-4DE8-8F8A-EBA64498B358}" type="datetimeFigureOut">
               <a:rPr lang="es-PE" smtClean="0"/>
-              <a:t>9/12/2025</a:t>
+              <a:t>16/12/2025</a:t>
             </a:fld>
             <a:endParaRPr lang="es-PE"/>
           </a:p>
@@ -9080,7 +9458,7 @@
           <a:noFill/>
           <a:extLst>
             <a:ext uri="{909E8E84-426E-40dd-AFC4-6F175D3DCCD1}">
-              <a14:hiddenFill xmlns="" xmlns:a14="http://schemas.microsoft.com/office/drawing/2010/main">
+              <a14:hiddenFill xmlns:a14="http://schemas.microsoft.com/office/drawing/2010/main" xmlns="">
                 <a:solidFill>
                   <a:srgbClr val="FFFFFF"/>
                 </a:solidFill>
@@ -9154,7 +9532,7 @@
               </a:ln>
               <a:extLst>
                 <a:ext uri="{91240B29-F687-4f45-9708-019B960494DF}">
-                  <a14:hiddenLine xmlns="" xmlns:a14="http://schemas.microsoft.com/office/drawing/2010/main" w="9525">
+                  <a14:hiddenLine xmlns:a14="http://schemas.microsoft.com/office/drawing/2010/main" xmlns="" w="9525">
                     <a:solidFill>
                       <a:srgbClr val="000000"/>
                     </a:solidFill>
@@ -9165,6 +9543,13 @@
                 </a:ext>
               </a:extLst>
             </p:spPr>
+            <p:txBody>
+              <a:bodyPr/>
+              <a:lstStyle/>
+              <a:p>
+                <a:endParaRPr lang="es-PE"/>
+              </a:p>
+            </p:txBody>
           </p:sp>
           <p:sp>
             <p:nvSpPr>
@@ -9244,7 +9629,7 @@
               </a:ln>
               <a:extLst>
                 <a:ext uri="{91240B29-F687-4f45-9708-019B960494DF}">
-                  <a14:hiddenLine xmlns="" xmlns:a14="http://schemas.microsoft.com/office/drawing/2010/main" w="9525">
+                  <a14:hiddenLine xmlns:a14="http://schemas.microsoft.com/office/drawing/2010/main" xmlns="" w="9525">
                     <a:solidFill>
                       <a:srgbClr val="000000"/>
                     </a:solidFill>
@@ -9255,6 +9640,13 @@
                 </a:ext>
               </a:extLst>
             </p:spPr>
+            <p:txBody>
+              <a:bodyPr/>
+              <a:lstStyle/>
+              <a:p>
+                <a:endParaRPr lang="es-PE"/>
+              </a:p>
+            </p:txBody>
           </p:sp>
           <p:sp>
             <p:nvSpPr>
@@ -9334,7 +9726,7 @@
               </a:ln>
               <a:extLst>
                 <a:ext uri="{91240B29-F687-4f45-9708-019B960494DF}">
-                  <a14:hiddenLine xmlns="" xmlns:a14="http://schemas.microsoft.com/office/drawing/2010/main" w="9525">
+                  <a14:hiddenLine xmlns:a14="http://schemas.microsoft.com/office/drawing/2010/main" xmlns="" w="9525">
                     <a:solidFill>
                       <a:srgbClr val="000000"/>
                     </a:solidFill>
@@ -9345,6 +9737,13 @@
                 </a:ext>
               </a:extLst>
             </p:spPr>
+            <p:txBody>
+              <a:bodyPr/>
+              <a:lstStyle/>
+              <a:p>
+                <a:endParaRPr lang="es-PE"/>
+              </a:p>
+            </p:txBody>
           </p:sp>
           <p:sp>
             <p:nvSpPr>
@@ -9396,7 +9795,7 @@
               </a:ln>
               <a:extLst>
                 <a:ext uri="{91240B29-F687-4f45-9708-019B960494DF}">
-                  <a14:hiddenLine xmlns="" xmlns:a14="http://schemas.microsoft.com/office/drawing/2010/main" w="9525">
+                  <a14:hiddenLine xmlns:a14="http://schemas.microsoft.com/office/drawing/2010/main" xmlns="" w="9525">
                     <a:solidFill>
                       <a:srgbClr val="000000"/>
                     </a:solidFill>
@@ -9407,6 +9806,13 @@
                 </a:ext>
               </a:extLst>
             </p:spPr>
+            <p:txBody>
+              <a:bodyPr/>
+              <a:lstStyle/>
+              <a:p>
+                <a:endParaRPr lang="es-PE"/>
+              </a:p>
+            </p:txBody>
           </p:sp>
           <p:sp>
             <p:nvSpPr>
@@ -9486,7 +9892,7 @@
               </a:ln>
               <a:extLst>
                 <a:ext uri="{91240B29-F687-4f45-9708-019B960494DF}">
-                  <a14:hiddenLine xmlns="" xmlns:a14="http://schemas.microsoft.com/office/drawing/2010/main" w="9525">
+                  <a14:hiddenLine xmlns:a14="http://schemas.microsoft.com/office/drawing/2010/main" xmlns="" w="9525">
                     <a:solidFill>
                       <a:srgbClr val="000000"/>
                     </a:solidFill>
@@ -9497,6 +9903,13 @@
                 </a:ext>
               </a:extLst>
             </p:spPr>
+            <p:txBody>
+              <a:bodyPr/>
+              <a:lstStyle/>
+              <a:p>
+                <a:endParaRPr lang="es-PE"/>
+              </a:p>
+            </p:txBody>
           </p:sp>
           <p:sp>
             <p:nvSpPr>
@@ -9548,7 +9961,7 @@
               </a:ln>
               <a:extLst>
                 <a:ext uri="{91240B29-F687-4f45-9708-019B960494DF}">
-                  <a14:hiddenLine xmlns="" xmlns:a14="http://schemas.microsoft.com/office/drawing/2010/main" w="9525">
+                  <a14:hiddenLine xmlns:a14="http://schemas.microsoft.com/office/drawing/2010/main" xmlns="" w="9525">
                     <a:solidFill>
                       <a:srgbClr val="000000"/>
                     </a:solidFill>
@@ -9559,6 +9972,13 @@
                 </a:ext>
               </a:extLst>
             </p:spPr>
+            <p:txBody>
+              <a:bodyPr/>
+              <a:lstStyle/>
+              <a:p>
+                <a:endParaRPr lang="es-PE"/>
+              </a:p>
+            </p:txBody>
           </p:sp>
           <p:sp>
             <p:nvSpPr>
@@ -9610,7 +10030,7 @@
               </a:ln>
               <a:extLst>
                 <a:ext uri="{91240B29-F687-4f45-9708-019B960494DF}">
-                  <a14:hiddenLine xmlns="" xmlns:a14="http://schemas.microsoft.com/office/drawing/2010/main" w="9525">
+                  <a14:hiddenLine xmlns:a14="http://schemas.microsoft.com/office/drawing/2010/main" xmlns="" w="9525">
                     <a:solidFill>
                       <a:srgbClr val="000000"/>
                     </a:solidFill>
@@ -9621,6 +10041,13 @@
                 </a:ext>
               </a:extLst>
             </p:spPr>
+            <p:txBody>
+              <a:bodyPr/>
+              <a:lstStyle/>
+              <a:p>
+                <a:endParaRPr lang="es-PE"/>
+              </a:p>
+            </p:txBody>
           </p:sp>
           <p:sp>
             <p:nvSpPr>
@@ -9700,7 +10127,7 @@
               </a:ln>
               <a:extLst>
                 <a:ext uri="{91240B29-F687-4f45-9708-019B960494DF}">
-                  <a14:hiddenLine xmlns="" xmlns:a14="http://schemas.microsoft.com/office/drawing/2010/main" w="9525">
+                  <a14:hiddenLine xmlns:a14="http://schemas.microsoft.com/office/drawing/2010/main" xmlns="" w="9525">
                     <a:solidFill>
                       <a:srgbClr val="000000"/>
                     </a:solidFill>
@@ -9711,6 +10138,13 @@
                 </a:ext>
               </a:extLst>
             </p:spPr>
+            <p:txBody>
+              <a:bodyPr/>
+              <a:lstStyle/>
+              <a:p>
+                <a:endParaRPr lang="es-PE"/>
+              </a:p>
+            </p:txBody>
           </p:sp>
           <p:sp>
             <p:nvSpPr>
@@ -9790,7 +10224,7 @@
               </a:ln>
               <a:extLst>
                 <a:ext uri="{91240B29-F687-4f45-9708-019B960494DF}">
-                  <a14:hiddenLine xmlns="" xmlns:a14="http://schemas.microsoft.com/office/drawing/2010/main" w="9525">
+                  <a14:hiddenLine xmlns:a14="http://schemas.microsoft.com/office/drawing/2010/main" xmlns="" w="9525">
                     <a:solidFill>
                       <a:srgbClr val="000000"/>
                     </a:solidFill>
@@ -9801,6 +10235,13 @@
                 </a:ext>
               </a:extLst>
             </p:spPr>
+            <p:txBody>
+              <a:bodyPr/>
+              <a:lstStyle/>
+              <a:p>
+                <a:endParaRPr lang="es-PE"/>
+              </a:p>
+            </p:txBody>
           </p:sp>
           <p:sp>
             <p:nvSpPr>
@@ -9852,7 +10293,7 @@
               </a:ln>
               <a:extLst>
                 <a:ext uri="{91240B29-F687-4f45-9708-019B960494DF}">
-                  <a14:hiddenLine xmlns="" xmlns:a14="http://schemas.microsoft.com/office/drawing/2010/main" w="9525">
+                  <a14:hiddenLine xmlns:a14="http://schemas.microsoft.com/office/drawing/2010/main" xmlns="" w="9525">
                     <a:solidFill>
                       <a:srgbClr val="000000"/>
                     </a:solidFill>
@@ -9863,6 +10304,13 @@
                 </a:ext>
               </a:extLst>
             </p:spPr>
+            <p:txBody>
+              <a:bodyPr/>
+              <a:lstStyle/>
+              <a:p>
+                <a:endParaRPr lang="es-PE"/>
+              </a:p>
+            </p:txBody>
           </p:sp>
           <p:sp>
             <p:nvSpPr>
@@ -9962,7 +10410,7 @@
               </a:ln>
               <a:extLst>
                 <a:ext uri="{91240B29-F687-4f45-9708-019B960494DF}">
-                  <a14:hiddenLine xmlns="" xmlns:a14="http://schemas.microsoft.com/office/drawing/2010/main" w="9525">
+                  <a14:hiddenLine xmlns:a14="http://schemas.microsoft.com/office/drawing/2010/main" xmlns="" w="9525">
                     <a:solidFill>
                       <a:srgbClr val="000000"/>
                     </a:solidFill>
@@ -9973,6 +10421,13 @@
                 </a:ext>
               </a:extLst>
             </p:spPr>
+            <p:txBody>
+              <a:bodyPr/>
+              <a:lstStyle/>
+              <a:p>
+                <a:endParaRPr lang="es-PE"/>
+              </a:p>
+            </p:txBody>
           </p:sp>
           <p:sp>
             <p:nvSpPr>
@@ -10001,6 +10456,13 @@
                 <a:tailEnd/>
               </a:ln>
             </p:spPr>
+            <p:txBody>
+              <a:bodyPr/>
+              <a:lstStyle/>
+              <a:p>
+                <a:endParaRPr lang="es-PE"/>
+              </a:p>
+            </p:txBody>
           </p:sp>
           <p:sp>
             <p:nvSpPr>
@@ -10046,7 +10508,7 @@
               </a:ln>
               <a:extLst>
                 <a:ext uri="{91240B29-F687-4f45-9708-019B960494DF}">
-                  <a14:hiddenLine xmlns="" xmlns:a14="http://schemas.microsoft.com/office/drawing/2010/main" w="9525">
+                  <a14:hiddenLine xmlns:a14="http://schemas.microsoft.com/office/drawing/2010/main" xmlns="" w="9525">
                     <a:solidFill>
                       <a:srgbClr val="000000"/>
                     </a:solidFill>
@@ -10057,6 +10519,13 @@
                 </a:ext>
               </a:extLst>
             </p:spPr>
+            <p:txBody>
+              <a:bodyPr/>
+              <a:lstStyle/>
+              <a:p>
+                <a:endParaRPr lang="es-PE"/>
+              </a:p>
+            </p:txBody>
           </p:sp>
           <p:sp>
             <p:nvSpPr>
@@ -10108,7 +10577,7 @@
               </a:ln>
               <a:extLst>
                 <a:ext uri="{91240B29-F687-4f45-9708-019B960494DF}">
-                  <a14:hiddenLine xmlns="" xmlns:a14="http://schemas.microsoft.com/office/drawing/2010/main" w="9525">
+                  <a14:hiddenLine xmlns:a14="http://schemas.microsoft.com/office/drawing/2010/main" xmlns="" w="9525">
                     <a:solidFill>
                       <a:srgbClr val="000000"/>
                     </a:solidFill>
@@ -10119,6 +10588,13 @@
                 </a:ext>
               </a:extLst>
             </p:spPr>
+            <p:txBody>
+              <a:bodyPr/>
+              <a:lstStyle/>
+              <a:p>
+                <a:endParaRPr lang="es-PE"/>
+              </a:p>
+            </p:txBody>
           </p:sp>
           <p:sp>
             <p:nvSpPr>
@@ -10170,7 +10646,7 @@
               </a:ln>
               <a:extLst>
                 <a:ext uri="{91240B29-F687-4f45-9708-019B960494DF}">
-                  <a14:hiddenLine xmlns="" xmlns:a14="http://schemas.microsoft.com/office/drawing/2010/main" w="9525">
+                  <a14:hiddenLine xmlns:a14="http://schemas.microsoft.com/office/drawing/2010/main" xmlns="" w="9525">
                     <a:solidFill>
                       <a:srgbClr val="000000"/>
                     </a:solidFill>
@@ -10181,6 +10657,13 @@
                 </a:ext>
               </a:extLst>
             </p:spPr>
+            <p:txBody>
+              <a:bodyPr/>
+              <a:lstStyle/>
+              <a:p>
+                <a:endParaRPr lang="es-PE"/>
+              </a:p>
+            </p:txBody>
           </p:sp>
           <p:sp>
             <p:nvSpPr>
@@ -10260,7 +10743,7 @@
               </a:ln>
               <a:extLst>
                 <a:ext uri="{91240B29-F687-4f45-9708-019B960494DF}">
-                  <a14:hiddenLine xmlns="" xmlns:a14="http://schemas.microsoft.com/office/drawing/2010/main" w="9525">
+                  <a14:hiddenLine xmlns:a14="http://schemas.microsoft.com/office/drawing/2010/main" xmlns="" w="9525">
                     <a:solidFill>
                       <a:srgbClr val="000000"/>
                     </a:solidFill>
@@ -10271,6 +10754,13 @@
                 </a:ext>
               </a:extLst>
             </p:spPr>
+            <p:txBody>
+              <a:bodyPr/>
+              <a:lstStyle/>
+              <a:p>
+                <a:endParaRPr lang="es-PE"/>
+              </a:p>
+            </p:txBody>
           </p:sp>
           <p:sp>
             <p:nvSpPr>
@@ -10294,7 +10784,7 @@
               </a:ln>
               <a:extLst>
                 <a:ext uri="{91240B29-F687-4f45-9708-019B960494DF}">
-                  <a14:hiddenLine xmlns="" xmlns:a14="http://schemas.microsoft.com/office/drawing/2010/main" w="9525">
+                  <a14:hiddenLine xmlns:a14="http://schemas.microsoft.com/office/drawing/2010/main" xmlns="" w="9525">
                     <a:solidFill>
                       <a:srgbClr val="000000"/>
                     </a:solidFill>
@@ -10305,6 +10795,13 @@
                 </a:ext>
               </a:extLst>
             </p:spPr>
+            <p:txBody>
+              <a:bodyPr/>
+              <a:lstStyle/>
+              <a:p>
+                <a:endParaRPr lang="es-PE"/>
+              </a:p>
+            </p:txBody>
           </p:sp>
           <p:sp>
             <p:nvSpPr>
@@ -10359,7 +10856,7 @@
               </a:ln>
               <a:extLst>
                 <a:ext uri="{91240B29-F687-4f45-9708-019B960494DF}">
-                  <a14:hiddenLine xmlns="" xmlns:a14="http://schemas.microsoft.com/office/drawing/2010/main" w="9525">
+                  <a14:hiddenLine xmlns:a14="http://schemas.microsoft.com/office/drawing/2010/main" xmlns="" w="9525">
                     <a:solidFill>
                       <a:srgbClr val="000000"/>
                     </a:solidFill>
@@ -10370,6 +10867,13 @@
                 </a:ext>
               </a:extLst>
             </p:spPr>
+            <p:txBody>
+              <a:bodyPr/>
+              <a:lstStyle/>
+              <a:p>
+                <a:endParaRPr lang="es-PE"/>
+              </a:p>
+            </p:txBody>
           </p:sp>
           <p:sp>
             <p:nvSpPr>
@@ -10449,7 +10953,7 @@
               </a:ln>
               <a:extLst>
                 <a:ext uri="{91240B29-F687-4f45-9708-019B960494DF}">
-                  <a14:hiddenLine xmlns="" xmlns:a14="http://schemas.microsoft.com/office/drawing/2010/main" w="9525">
+                  <a14:hiddenLine xmlns:a14="http://schemas.microsoft.com/office/drawing/2010/main" xmlns="" w="9525">
                     <a:solidFill>
                       <a:srgbClr val="000000"/>
                     </a:solidFill>
@@ -10460,6 +10964,13 @@
                 </a:ext>
               </a:extLst>
             </p:spPr>
+            <p:txBody>
+              <a:bodyPr/>
+              <a:lstStyle/>
+              <a:p>
+                <a:endParaRPr lang="es-PE"/>
+              </a:p>
+            </p:txBody>
           </p:sp>
           <p:sp>
             <p:nvSpPr>
@@ -10511,7 +11022,7 @@
               </a:ln>
               <a:extLst>
                 <a:ext uri="{91240B29-F687-4f45-9708-019B960494DF}">
-                  <a14:hiddenLine xmlns="" xmlns:a14="http://schemas.microsoft.com/office/drawing/2010/main" w="9525">
+                  <a14:hiddenLine xmlns:a14="http://schemas.microsoft.com/office/drawing/2010/main" xmlns="" w="9525">
                     <a:solidFill>
                       <a:srgbClr val="000000"/>
                     </a:solidFill>
@@ -10522,6 +11033,13 @@
                 </a:ext>
               </a:extLst>
             </p:spPr>
+            <p:txBody>
+              <a:bodyPr/>
+              <a:lstStyle/>
+              <a:p>
+                <a:endParaRPr lang="es-PE"/>
+              </a:p>
+            </p:txBody>
           </p:sp>
           <p:sp>
             <p:nvSpPr>
@@ -10601,7 +11119,7 @@
               </a:ln>
               <a:extLst>
                 <a:ext uri="{91240B29-F687-4f45-9708-019B960494DF}">
-                  <a14:hiddenLine xmlns="" xmlns:a14="http://schemas.microsoft.com/office/drawing/2010/main" w="9525">
+                  <a14:hiddenLine xmlns:a14="http://schemas.microsoft.com/office/drawing/2010/main" xmlns="" w="9525">
                     <a:solidFill>
                       <a:srgbClr val="000000"/>
                     </a:solidFill>
@@ -10612,6 +11130,13 @@
                 </a:ext>
               </a:extLst>
             </p:spPr>
+            <p:txBody>
+              <a:bodyPr/>
+              <a:lstStyle/>
+              <a:p>
+                <a:endParaRPr lang="es-PE"/>
+              </a:p>
+            </p:txBody>
           </p:sp>
           <p:sp>
             <p:nvSpPr>
@@ -10666,7 +11191,7 @@
               </a:ln>
               <a:extLst>
                 <a:ext uri="{91240B29-F687-4f45-9708-019B960494DF}">
-                  <a14:hiddenLine xmlns="" xmlns:a14="http://schemas.microsoft.com/office/drawing/2010/main" w="9525">
+                  <a14:hiddenLine xmlns:a14="http://schemas.microsoft.com/office/drawing/2010/main" xmlns="" w="9525">
                     <a:solidFill>
                       <a:srgbClr val="000000"/>
                     </a:solidFill>
@@ -10677,6 +11202,13 @@
                 </a:ext>
               </a:extLst>
             </p:spPr>
+            <p:txBody>
+              <a:bodyPr/>
+              <a:lstStyle/>
+              <a:p>
+                <a:endParaRPr lang="es-PE"/>
+              </a:p>
+            </p:txBody>
           </p:sp>
           <p:sp>
             <p:nvSpPr>
@@ -10728,7 +11260,7 @@
               </a:ln>
               <a:extLst>
                 <a:ext uri="{91240B29-F687-4f45-9708-019B960494DF}">
-                  <a14:hiddenLine xmlns="" xmlns:a14="http://schemas.microsoft.com/office/drawing/2010/main" w="9525">
+                  <a14:hiddenLine xmlns:a14="http://schemas.microsoft.com/office/drawing/2010/main" xmlns="" w="9525">
                     <a:solidFill>
                       <a:srgbClr val="000000"/>
                     </a:solidFill>
@@ -10739,6 +11271,13 @@
                 </a:ext>
               </a:extLst>
             </p:spPr>
+            <p:txBody>
+              <a:bodyPr/>
+              <a:lstStyle/>
+              <a:p>
+                <a:endParaRPr lang="es-PE"/>
+              </a:p>
+            </p:txBody>
           </p:sp>
           <p:sp>
             <p:nvSpPr>
@@ -10818,7 +11357,7 @@
               </a:ln>
               <a:extLst>
                 <a:ext uri="{91240B29-F687-4f45-9708-019B960494DF}">
-                  <a14:hiddenLine xmlns="" xmlns:a14="http://schemas.microsoft.com/office/drawing/2010/main" w="9525">
+                  <a14:hiddenLine xmlns:a14="http://schemas.microsoft.com/office/drawing/2010/main" xmlns="" w="9525">
                     <a:solidFill>
                       <a:srgbClr val="000000"/>
                     </a:solidFill>
@@ -10829,6 +11368,13 @@
                 </a:ext>
               </a:extLst>
             </p:spPr>
+            <p:txBody>
+              <a:bodyPr/>
+              <a:lstStyle/>
+              <a:p>
+                <a:endParaRPr lang="es-PE"/>
+              </a:p>
+            </p:txBody>
           </p:sp>
           <p:sp>
             <p:nvSpPr>
@@ -10908,7 +11454,7 @@
               </a:ln>
               <a:extLst>
                 <a:ext uri="{91240B29-F687-4f45-9708-019B960494DF}">
-                  <a14:hiddenLine xmlns="" xmlns:a14="http://schemas.microsoft.com/office/drawing/2010/main" w="9525">
+                  <a14:hiddenLine xmlns:a14="http://schemas.microsoft.com/office/drawing/2010/main" xmlns="" w="9525">
                     <a:solidFill>
                       <a:srgbClr val="000000"/>
                     </a:solidFill>
@@ -10919,6 +11465,13 @@
                 </a:ext>
               </a:extLst>
             </p:spPr>
+            <p:txBody>
+              <a:bodyPr/>
+              <a:lstStyle/>
+              <a:p>
+                <a:endParaRPr lang="es-PE"/>
+              </a:p>
+            </p:txBody>
           </p:sp>
           <p:sp>
             <p:nvSpPr>
@@ -10973,7 +11526,7 @@
               </a:ln>
               <a:extLst>
                 <a:ext uri="{91240B29-F687-4f45-9708-019B960494DF}">
-                  <a14:hiddenLine xmlns="" xmlns:a14="http://schemas.microsoft.com/office/drawing/2010/main" w="9525">
+                  <a14:hiddenLine xmlns:a14="http://schemas.microsoft.com/office/drawing/2010/main" xmlns="" w="9525">
                     <a:solidFill>
                       <a:srgbClr val="000000"/>
                     </a:solidFill>
@@ -10984,6 +11537,13 @@
                 </a:ext>
               </a:extLst>
             </p:spPr>
+            <p:txBody>
+              <a:bodyPr/>
+              <a:lstStyle/>
+              <a:p>
+                <a:endParaRPr lang="es-PE"/>
+              </a:p>
+            </p:txBody>
           </p:sp>
           <p:sp>
             <p:nvSpPr>
@@ -11093,7 +11653,7 @@
               </a:ln>
               <a:extLst>
                 <a:ext uri="{91240B29-F687-4f45-9708-019B960494DF}">
-                  <a14:hiddenLine xmlns="" xmlns:a14="http://schemas.microsoft.com/office/drawing/2010/main" w="9525">
+                  <a14:hiddenLine xmlns:a14="http://schemas.microsoft.com/office/drawing/2010/main" xmlns="" w="9525">
                     <a:solidFill>
                       <a:srgbClr val="000000"/>
                     </a:solidFill>
@@ -11104,6 +11664,13 @@
                 </a:ext>
               </a:extLst>
             </p:spPr>
+            <p:txBody>
+              <a:bodyPr/>
+              <a:lstStyle/>
+              <a:p>
+                <a:endParaRPr lang="es-PE"/>
+              </a:p>
+            </p:txBody>
           </p:sp>
         </p:grpSp>
         <p:grpSp>
@@ -11191,7 +11758,7 @@
               </a:ln>
               <a:extLst>
                 <a:ext uri="{91240B29-F687-4f45-9708-019B960494DF}">
-                  <a14:hiddenLine xmlns="" xmlns:a14="http://schemas.microsoft.com/office/drawing/2010/main" w="9525">
+                  <a14:hiddenLine xmlns:a14="http://schemas.microsoft.com/office/drawing/2010/main" xmlns="" w="9525">
                     <a:solidFill>
                       <a:srgbClr val="000000"/>
                     </a:solidFill>
@@ -11202,6 +11769,13 @@
                 </a:ext>
               </a:extLst>
             </p:spPr>
+            <p:txBody>
+              <a:bodyPr/>
+              <a:lstStyle/>
+              <a:p>
+                <a:endParaRPr lang="es-PE"/>
+              </a:p>
+            </p:txBody>
           </p:sp>
           <p:sp>
             <p:nvSpPr>
@@ -11306,7 +11880,7 @@
               </a:ln>
               <a:extLst>
                 <a:ext uri="{91240B29-F687-4f45-9708-019B960494DF}">
-                  <a14:hiddenLine xmlns="" xmlns:a14="http://schemas.microsoft.com/office/drawing/2010/main" w="9525">
+                  <a14:hiddenLine xmlns:a14="http://schemas.microsoft.com/office/drawing/2010/main" xmlns="" w="9525">
                     <a:solidFill>
                       <a:srgbClr val="000000"/>
                     </a:solidFill>
@@ -11317,6 +11891,13 @@
                 </a:ext>
               </a:extLst>
             </p:spPr>
+            <p:txBody>
+              <a:bodyPr/>
+              <a:lstStyle/>
+              <a:p>
+                <a:endParaRPr lang="es-PE"/>
+              </a:p>
+            </p:txBody>
           </p:sp>
           <p:sp>
             <p:nvSpPr>
@@ -11396,7 +11977,7 @@
               </a:ln>
               <a:extLst>
                 <a:ext uri="{91240B29-F687-4f45-9708-019B960494DF}">
-                  <a14:hiddenLine xmlns="" xmlns:a14="http://schemas.microsoft.com/office/drawing/2010/main" w="9525">
+                  <a14:hiddenLine xmlns:a14="http://schemas.microsoft.com/office/drawing/2010/main" xmlns="" w="9525">
                     <a:solidFill>
                       <a:srgbClr val="000000"/>
                     </a:solidFill>
@@ -11407,6 +11988,13 @@
                 </a:ext>
               </a:extLst>
             </p:spPr>
+            <p:txBody>
+              <a:bodyPr/>
+              <a:lstStyle/>
+              <a:p>
+                <a:endParaRPr lang="es-PE"/>
+              </a:p>
+            </p:txBody>
           </p:sp>
           <p:sp>
             <p:nvSpPr>
@@ -11461,7 +12049,7 @@
               </a:ln>
               <a:extLst>
                 <a:ext uri="{91240B29-F687-4f45-9708-019B960494DF}">
-                  <a14:hiddenLine xmlns="" xmlns:a14="http://schemas.microsoft.com/office/drawing/2010/main" w="9525">
+                  <a14:hiddenLine xmlns:a14="http://schemas.microsoft.com/office/drawing/2010/main" xmlns="" w="9525">
                     <a:solidFill>
                       <a:srgbClr val="000000"/>
                     </a:solidFill>
@@ -11472,6 +12060,13 @@
                 </a:ext>
               </a:extLst>
             </p:spPr>
+            <p:txBody>
+              <a:bodyPr/>
+              <a:lstStyle/>
+              <a:p>
+                <a:endParaRPr lang="es-PE"/>
+              </a:p>
+            </p:txBody>
           </p:sp>
           <p:sp>
             <p:nvSpPr>
@@ -11551,7 +12146,7 @@
               </a:ln>
               <a:extLst>
                 <a:ext uri="{91240B29-F687-4f45-9708-019B960494DF}">
-                  <a14:hiddenLine xmlns="" xmlns:a14="http://schemas.microsoft.com/office/drawing/2010/main" w="9525">
+                  <a14:hiddenLine xmlns:a14="http://schemas.microsoft.com/office/drawing/2010/main" xmlns="" w="9525">
                     <a:solidFill>
                       <a:srgbClr val="000000"/>
                     </a:solidFill>
@@ -11562,6 +12157,13 @@
                 </a:ext>
               </a:extLst>
             </p:spPr>
+            <p:txBody>
+              <a:bodyPr/>
+              <a:lstStyle/>
+              <a:p>
+                <a:endParaRPr lang="es-PE"/>
+              </a:p>
+            </p:txBody>
           </p:sp>
           <p:sp>
             <p:nvSpPr>
@@ -11619,7 +12221,7 @@
               </a:ln>
               <a:extLst>
                 <a:ext uri="{91240B29-F687-4f45-9708-019B960494DF}">
-                  <a14:hiddenLine xmlns="" xmlns:a14="http://schemas.microsoft.com/office/drawing/2010/main" w="9525">
+                  <a14:hiddenLine xmlns:a14="http://schemas.microsoft.com/office/drawing/2010/main" xmlns="" w="9525">
                     <a:solidFill>
                       <a:srgbClr val="000000"/>
                     </a:solidFill>
@@ -11630,6 +12232,13 @@
                 </a:ext>
               </a:extLst>
             </p:spPr>
+            <p:txBody>
+              <a:bodyPr/>
+              <a:lstStyle/>
+              <a:p>
+                <a:endParaRPr lang="es-PE"/>
+              </a:p>
+            </p:txBody>
           </p:sp>
           <p:sp>
             <p:nvSpPr>
@@ -11709,7 +12318,7 @@
               </a:ln>
               <a:extLst>
                 <a:ext uri="{91240B29-F687-4f45-9708-019B960494DF}">
-                  <a14:hiddenLine xmlns="" xmlns:a14="http://schemas.microsoft.com/office/drawing/2010/main" w="9525">
+                  <a14:hiddenLine xmlns:a14="http://schemas.microsoft.com/office/drawing/2010/main" xmlns="" w="9525">
                     <a:solidFill>
                       <a:srgbClr val="000000"/>
                     </a:solidFill>
@@ -11720,6 +12329,13 @@
                 </a:ext>
               </a:extLst>
             </p:spPr>
+            <p:txBody>
+              <a:bodyPr/>
+              <a:lstStyle/>
+              <a:p>
+                <a:endParaRPr lang="es-PE"/>
+              </a:p>
+            </p:txBody>
           </p:sp>
           <p:sp>
             <p:nvSpPr>
@@ -11777,7 +12393,7 @@
               </a:ln>
               <a:extLst>
                 <a:ext uri="{91240B29-F687-4f45-9708-019B960494DF}">
-                  <a14:hiddenLine xmlns="" xmlns:a14="http://schemas.microsoft.com/office/drawing/2010/main" w="9525">
+                  <a14:hiddenLine xmlns:a14="http://schemas.microsoft.com/office/drawing/2010/main" xmlns="" w="9525">
                     <a:solidFill>
                       <a:srgbClr val="000000"/>
                     </a:solidFill>
@@ -11788,6 +12404,13 @@
                 </a:ext>
               </a:extLst>
             </p:spPr>
+            <p:txBody>
+              <a:bodyPr/>
+              <a:lstStyle/>
+              <a:p>
+                <a:endParaRPr lang="es-PE"/>
+              </a:p>
+            </p:txBody>
           </p:sp>
           <p:sp>
             <p:nvSpPr>
@@ -11867,7 +12490,7 @@
               </a:ln>
               <a:extLst>
                 <a:ext uri="{91240B29-F687-4f45-9708-019B960494DF}">
-                  <a14:hiddenLine xmlns="" xmlns:a14="http://schemas.microsoft.com/office/drawing/2010/main" w="9525">
+                  <a14:hiddenLine xmlns:a14="http://schemas.microsoft.com/office/drawing/2010/main" xmlns="" w="9525">
                     <a:solidFill>
                       <a:srgbClr val="000000"/>
                     </a:solidFill>
@@ -11878,6 +12501,13 @@
                 </a:ext>
               </a:extLst>
             </p:spPr>
+            <p:txBody>
+              <a:bodyPr/>
+              <a:lstStyle/>
+              <a:p>
+                <a:endParaRPr lang="es-PE"/>
+              </a:p>
+            </p:txBody>
           </p:sp>
           <p:sp>
             <p:nvSpPr>
@@ -11901,7 +12531,7 @@
               </a:ln>
               <a:extLst>
                 <a:ext uri="{91240B29-F687-4f45-9708-019B960494DF}">
-                  <a14:hiddenLine xmlns="" xmlns:a14="http://schemas.microsoft.com/office/drawing/2010/main" w="9525">
+                  <a14:hiddenLine xmlns:a14="http://schemas.microsoft.com/office/drawing/2010/main" xmlns="" w="9525">
                     <a:solidFill>
                       <a:srgbClr val="000000"/>
                     </a:solidFill>
@@ -11912,6 +12542,13 @@
                 </a:ext>
               </a:extLst>
             </p:spPr>
+            <p:txBody>
+              <a:bodyPr/>
+              <a:lstStyle/>
+              <a:p>
+                <a:endParaRPr lang="es-PE"/>
+              </a:p>
+            </p:txBody>
           </p:sp>
         </p:grpSp>
       </p:grpSp>
@@ -12041,7 +12678,7 @@
           <a:p>
             <a:fld id="{88DC54A4-EE15-4DE8-8F8A-EBA64498B358}" type="datetimeFigureOut">
               <a:rPr lang="es-PE" smtClean="0"/>
-              <a:t>9/12/2025</a:t>
+              <a:t>16/12/2025</a:t>
             </a:fld>
             <a:endParaRPr lang="es-PE"/>
           </a:p>
@@ -15404,19 +16041,9 @@
             </a:r>
           </a:p>
           <a:p>
-            <a:pPr>
-              <a:buFont typeface="Arial" panose="020B0604020202020204" pitchFamily="34" charset="0"/>
-              <a:buChar char="•"/>
+            <a:pPr marL="0" indent="0">
+              <a:buNone/>
             </a:pPr>
-            <a:r>
-              <a:rPr lang="es-MX" sz="1800" dirty="0">
-                <a:latin typeface="Arial" panose="020B0604020202020204" pitchFamily="34" charset="0"/>
-                <a:cs typeface="Arial" panose="020B0604020202020204" pitchFamily="34" charset="0"/>
-              </a:rPr>
-              <a:t>Control Financiero Detallado: La capacidad de generar reportes de ventas y de emitir Comprobantes Digitales proporciona al administrador las herramientas necesarias para un control preciso de ingresos y una toma de decisiones informada.</a:t>
-            </a:r>
-          </a:p>
-          <a:p>
             <a:endParaRPr lang="es-PE" sz="1400" dirty="0">
               <a:latin typeface="Arial" panose="020B0604020202020204" pitchFamily="34" charset="0"/>
               <a:cs typeface="Arial" panose="020B0604020202020204" pitchFamily="34" charset="0"/>
@@ -16990,10 +17617,8 @@
                 <a:latin typeface="Arial" panose="020B0604020202020204" pitchFamily="34" charset="0"/>
                 <a:cs typeface="Arial" panose="020B0604020202020204" pitchFamily="34" charset="0"/>
               </a:rPr>
-              <a:t> y ventas que garantice la precisión del inventario en tiempo real, mediante el registro detallado de productos, la deshabilitación automática de artículos agotados o vencidos para asegurar una experiencia de compra fluida al cliente, y la generación de reportes de ventas para optimizar el control de ingresos y facilitar la toma de decisiones estratégicas.</a:t>
-            </a:r>
-          </a:p>
-          <a:p>
+              <a:t> y ventas que garantice la precisión del inventario en tiempo real, mediante el registro detallado de productos, la deshabilitación automática de artículos agotados o vencidos para asegurar una experiencia de compra fluida al cliente.</a:t>
+            </a:r>
             <a:endParaRPr lang="es-PE" dirty="0">
               <a:latin typeface="Arial" panose="020B0604020202020204" pitchFamily="34" charset="0"/>
               <a:cs typeface="Arial" panose="020B0604020202020204" pitchFamily="34" charset="0"/>
